--- a/doc/教学课件/C语言基础/PPT/2.代码格式规范.pptx
+++ b/doc/教学课件/C语言基础/PPT/2.代码格式规范.pptx
@@ -26,13 +26,12 @@
     <p:sldId id="274" r:id="rId20"/>
     <p:sldId id="275" r:id="rId21"/>
     <p:sldId id="276" r:id="rId22"/>
-    <p:sldId id="278" r:id="rId23"/>
-    <p:sldId id="281" r:id="rId24"/>
-    <p:sldId id="277" r:id="rId25"/>
-    <p:sldId id="279" r:id="rId26"/>
-    <p:sldId id="280" r:id="rId27"/>
-    <p:sldId id="282" r:id="rId28"/>
-    <p:sldId id="283" r:id="rId29"/>
+    <p:sldId id="281" r:id="rId23"/>
+    <p:sldId id="277" r:id="rId24"/>
+    <p:sldId id="279" r:id="rId25"/>
+    <p:sldId id="280" r:id="rId26"/>
+    <p:sldId id="282" r:id="rId27"/>
+    <p:sldId id="283" r:id="rId28"/>
   </p:sldIdLst>
   <p:sldSz cx="12192000" cy="6858000"/>
   <p:notesSz cx="6858000" cy="9144000"/>
@@ -297,7 +296,7 @@
           <a:p>
             <a:fld id="{F65B811B-E3B4-42AF-946D-EBB340E40D27}" type="datetimeFigureOut">
               <a:rPr lang="zh-CN" altLang="en-US" smtClean="0"/>
-              <a:t>2018/9/14</a:t>
+              <a:t>2018/9/30</a:t>
             </a:fld>
             <a:endParaRPr lang="zh-CN" altLang="en-US"/>
           </a:p>
@@ -495,7 +494,7 @@
           <a:p>
             <a:fld id="{F65B811B-E3B4-42AF-946D-EBB340E40D27}" type="datetimeFigureOut">
               <a:rPr lang="zh-CN" altLang="en-US" smtClean="0"/>
-              <a:t>2018/9/14</a:t>
+              <a:t>2018/9/30</a:t>
             </a:fld>
             <a:endParaRPr lang="zh-CN" altLang="en-US"/>
           </a:p>
@@ -703,7 +702,7 @@
           <a:p>
             <a:fld id="{F65B811B-E3B4-42AF-946D-EBB340E40D27}" type="datetimeFigureOut">
               <a:rPr lang="zh-CN" altLang="en-US" smtClean="0"/>
-              <a:t>2018/9/14</a:t>
+              <a:t>2018/9/30</a:t>
             </a:fld>
             <a:endParaRPr lang="zh-CN" altLang="en-US"/>
           </a:p>
@@ -901,7 +900,7 @@
           <a:p>
             <a:fld id="{F65B811B-E3B4-42AF-946D-EBB340E40D27}" type="datetimeFigureOut">
               <a:rPr lang="zh-CN" altLang="en-US" smtClean="0"/>
-              <a:t>2018/9/14</a:t>
+              <a:t>2018/9/30</a:t>
             </a:fld>
             <a:endParaRPr lang="zh-CN" altLang="en-US"/>
           </a:p>
@@ -1176,7 +1175,7 @@
           <a:p>
             <a:fld id="{F65B811B-E3B4-42AF-946D-EBB340E40D27}" type="datetimeFigureOut">
               <a:rPr lang="zh-CN" altLang="en-US" smtClean="0"/>
-              <a:t>2018/9/14</a:t>
+              <a:t>2018/9/30</a:t>
             </a:fld>
             <a:endParaRPr lang="zh-CN" altLang="en-US"/>
           </a:p>
@@ -1441,7 +1440,7 @@
           <a:p>
             <a:fld id="{F65B811B-E3B4-42AF-946D-EBB340E40D27}" type="datetimeFigureOut">
               <a:rPr lang="zh-CN" altLang="en-US" smtClean="0"/>
-              <a:t>2018/9/14</a:t>
+              <a:t>2018/9/30</a:t>
             </a:fld>
             <a:endParaRPr lang="zh-CN" altLang="en-US"/>
           </a:p>
@@ -1853,7 +1852,7 @@
           <a:p>
             <a:fld id="{F65B811B-E3B4-42AF-946D-EBB340E40D27}" type="datetimeFigureOut">
               <a:rPr lang="zh-CN" altLang="en-US" smtClean="0"/>
-              <a:t>2018/9/14</a:t>
+              <a:t>2018/9/30</a:t>
             </a:fld>
             <a:endParaRPr lang="zh-CN" altLang="en-US"/>
           </a:p>
@@ -1994,7 +1993,7 @@
           <a:p>
             <a:fld id="{F65B811B-E3B4-42AF-946D-EBB340E40D27}" type="datetimeFigureOut">
               <a:rPr lang="zh-CN" altLang="en-US" smtClean="0"/>
-              <a:t>2018/9/14</a:t>
+              <a:t>2018/9/30</a:t>
             </a:fld>
             <a:endParaRPr lang="zh-CN" altLang="en-US"/>
           </a:p>
@@ -2107,7 +2106,7 @@
           <a:p>
             <a:fld id="{F65B811B-E3B4-42AF-946D-EBB340E40D27}" type="datetimeFigureOut">
               <a:rPr lang="zh-CN" altLang="en-US" smtClean="0"/>
-              <a:t>2018/9/14</a:t>
+              <a:t>2018/9/30</a:t>
             </a:fld>
             <a:endParaRPr lang="zh-CN" altLang="en-US"/>
           </a:p>
@@ -2418,7 +2417,7 @@
           <a:p>
             <a:fld id="{F65B811B-E3B4-42AF-946D-EBB340E40D27}" type="datetimeFigureOut">
               <a:rPr lang="zh-CN" altLang="en-US" smtClean="0"/>
-              <a:t>2018/9/14</a:t>
+              <a:t>2018/9/30</a:t>
             </a:fld>
             <a:endParaRPr lang="zh-CN" altLang="en-US"/>
           </a:p>
@@ -2706,7 +2705,7 @@
           <a:p>
             <a:fld id="{F65B811B-E3B4-42AF-946D-EBB340E40D27}" type="datetimeFigureOut">
               <a:rPr lang="zh-CN" altLang="en-US" smtClean="0"/>
-              <a:t>2018/9/14</a:t>
+              <a:t>2018/9/30</a:t>
             </a:fld>
             <a:endParaRPr lang="zh-CN" altLang="en-US"/>
           </a:p>
@@ -2947,7 +2946,7 @@
           <a:p>
             <a:fld id="{F65B811B-E3B4-42AF-946D-EBB340E40D27}" type="datetimeFigureOut">
               <a:rPr lang="zh-CN" altLang="en-US" smtClean="0"/>
-              <a:t>2018/9/14</a:t>
+              <a:t>2018/9/30</a:t>
             </a:fld>
             <a:endParaRPr lang="zh-CN" altLang="en-US"/>
           </a:p>
@@ -7108,40 +7107,91 @@
           </a:prstGeom>
         </p:spPr>
       </p:pic>
-      <p:pic>
-        <p:nvPicPr>
-          <p:cNvPr id="2" name="图片 1">
-            <a:extLst>
-              <a:ext uri="{FF2B5EF4-FFF2-40B4-BE49-F238E27FC236}">
-                <a16:creationId xmlns:a16="http://schemas.microsoft.com/office/drawing/2014/main" id="{354733D9-8289-4157-910D-6E0DFFF0A376}"/>
-              </a:ext>
-            </a:extLst>
-          </p:cNvPr>
-          <p:cNvPicPr>
-            <a:picLocks noChangeAspect="1"/>
-          </p:cNvPicPr>
+      <p:sp>
+        <p:nvSpPr>
+          <p:cNvPr id="4" name="文本框 3">
+            <a:extLst>
+              <a:ext uri="{FF2B5EF4-FFF2-40B4-BE49-F238E27FC236}">
+                <a16:creationId xmlns:a16="http://schemas.microsoft.com/office/drawing/2014/main" id="{93C87329-B886-4466-979D-E647403C3890}"/>
+              </a:ext>
+            </a:extLst>
+          </p:cNvPr>
+          <p:cNvSpPr txBox="1"/>
           <p:nvPr/>
-        </p:nvPicPr>
-        <p:blipFill>
-          <a:blip r:embed="rId3"/>
-          <a:stretch>
-            <a:fillRect/>
-          </a:stretch>
-        </p:blipFill>
+        </p:nvSpPr>
         <p:spPr>
           <a:xfrm>
-            <a:off x="2307225" y="1767352"/>
-            <a:ext cx="7577549" cy="3175514"/>
+            <a:off x="2151811" y="2705725"/>
+            <a:ext cx="7888378" cy="1446550"/>
           </a:xfrm>
           <a:prstGeom prst="rect">
             <a:avLst/>
           </a:prstGeom>
+          <a:noFill/>
         </p:spPr>
-      </p:pic>
+        <p:txBody>
+          <a:bodyPr wrap="none" rtlCol="0">
+            <a:spAutoFit/>
+          </a:bodyPr>
+          <a:lstStyle/>
+          <a:p>
+            <a:r>
+              <a:rPr lang="zh-CN" altLang="en-US" sz="4400" dirty="0">
+                <a:solidFill>
+                  <a:schemeClr val="bg1"/>
+                </a:solidFill>
+                <a:latin typeface="+mn-ea"/>
+              </a:rPr>
+              <a:t>合理的使用</a:t>
+            </a:r>
+            <a:r>
+              <a:rPr lang="en-US" altLang="zh-CN" sz="4400" dirty="0">
+                <a:solidFill>
+                  <a:schemeClr val="bg1"/>
+                </a:solidFill>
+                <a:latin typeface="+mn-ea"/>
+              </a:rPr>
+              <a:t>Tab</a:t>
+            </a:r>
+            <a:r>
+              <a:rPr lang="zh-CN" altLang="en-US" sz="4400" dirty="0">
+                <a:solidFill>
+                  <a:schemeClr val="bg1"/>
+                </a:solidFill>
+                <a:latin typeface="+mn-ea"/>
+              </a:rPr>
+              <a:t>进行代码缩进，</a:t>
+            </a:r>
+            <a:endParaRPr lang="en-US" altLang="zh-CN" sz="4400" dirty="0">
+              <a:solidFill>
+                <a:schemeClr val="bg1"/>
+              </a:solidFill>
+              <a:latin typeface="+mn-ea"/>
+            </a:endParaRPr>
+          </a:p>
+          <a:p>
+            <a:r>
+              <a:rPr lang="zh-CN" altLang="en-US" sz="4400" dirty="0">
+                <a:solidFill>
+                  <a:schemeClr val="bg1"/>
+                </a:solidFill>
+                <a:latin typeface="+mn-ea"/>
+              </a:rPr>
+              <a:t>会是你的代码更加规整美观</a:t>
+            </a:r>
+            <a:endParaRPr lang="en-US" altLang="zh-CN" sz="4400" dirty="0">
+              <a:solidFill>
+                <a:schemeClr val="bg1"/>
+              </a:solidFill>
+              <a:latin typeface="+mn-ea"/>
+            </a:endParaRPr>
+          </a:p>
+        </p:txBody>
+      </p:sp>
     </p:spTree>
     <p:extLst>
       <p:ext uri="{BB962C8B-B14F-4D97-AF65-F5344CB8AC3E}">
-        <p14:creationId xmlns:p14="http://schemas.microsoft.com/office/powerpoint/2010/main" val="754895991"/>
+        <p14:creationId xmlns:p14="http://schemas.microsoft.com/office/powerpoint/2010/main" val="1554153615"/>
       </p:ext>
     </p:extLst>
   </p:cSld>
@@ -7160,6 +7210,92 @@
       </p:transition>
     </mc:Fallback>
   </mc:AlternateContent>
+  <p:timing>
+    <p:tnLst>
+      <p:par>
+        <p:cTn id="1" dur="indefinite" restart="never" nodeType="tmRoot">
+          <p:childTnLst>
+            <p:seq concurrent="1" nextAc="seek">
+              <p:cTn id="2" dur="indefinite" nodeType="mainSeq">
+                <p:childTnLst>
+                  <p:par>
+                    <p:cTn id="3" fill="hold">
+                      <p:stCondLst>
+                        <p:cond delay="indefinite"/>
+                      </p:stCondLst>
+                      <p:childTnLst>
+                        <p:par>
+                          <p:cTn id="4" fill="hold">
+                            <p:stCondLst>
+                              <p:cond delay="0"/>
+                            </p:stCondLst>
+                            <p:childTnLst>
+                              <p:par>
+                                <p:cTn id="5" presetID="10" presetClass="entr" presetSubtype="0" fill="hold" grpId="0" nodeType="clickEffect">
+                                  <p:stCondLst>
+                                    <p:cond delay="0"/>
+                                  </p:stCondLst>
+                                  <p:childTnLst>
+                                    <p:set>
+                                      <p:cBhvr>
+                                        <p:cTn id="6" dur="1" fill="hold">
+                                          <p:stCondLst>
+                                            <p:cond delay="0"/>
+                                          </p:stCondLst>
+                                        </p:cTn>
+                                        <p:tgtEl>
+                                          <p:spTgt spid="4"/>
+                                        </p:tgtEl>
+                                        <p:attrNameLst>
+                                          <p:attrName>style.visibility</p:attrName>
+                                        </p:attrNameLst>
+                                      </p:cBhvr>
+                                      <p:to>
+                                        <p:strVal val="visible"/>
+                                      </p:to>
+                                    </p:set>
+                                    <p:animEffect transition="in" filter="fade">
+                                      <p:cBhvr>
+                                        <p:cTn id="7" dur="500"/>
+                                        <p:tgtEl>
+                                          <p:spTgt spid="4"/>
+                                        </p:tgtEl>
+                                      </p:cBhvr>
+                                    </p:animEffect>
+                                  </p:childTnLst>
+                                </p:cTn>
+                              </p:par>
+                            </p:childTnLst>
+                          </p:cTn>
+                        </p:par>
+                      </p:childTnLst>
+                    </p:cTn>
+                  </p:par>
+                </p:childTnLst>
+              </p:cTn>
+              <p:prevCondLst>
+                <p:cond evt="onPrev" delay="0">
+                  <p:tgtEl>
+                    <p:sldTgt/>
+                  </p:tgtEl>
+                </p:cond>
+              </p:prevCondLst>
+              <p:nextCondLst>
+                <p:cond evt="onNext" delay="0">
+                  <p:tgtEl>
+                    <p:sldTgt/>
+                  </p:tgtEl>
+                </p:cond>
+              </p:nextCondLst>
+            </p:seq>
+          </p:childTnLst>
+        </p:cTn>
+      </p:par>
+    </p:tnLst>
+    <p:bldLst>
+      <p:bldP spid="4" grpId="0"/>
+    </p:bldLst>
+  </p:timing>
 </p:sld>
 </file>
 
@@ -7229,8 +7365,8 @@
         </p:nvSpPr>
         <p:spPr>
           <a:xfrm>
-            <a:off x="2151811" y="2705725"/>
-            <a:ext cx="7888378" cy="1446550"/>
+            <a:off x="1209008" y="2779359"/>
+            <a:ext cx="9717404" cy="1446550"/>
           </a:xfrm>
           <a:prstGeom prst="rect">
             <a:avLst/>
@@ -7250,7 +7386,7 @@
                 </a:solidFill>
                 <a:latin typeface="+mn-ea"/>
               </a:rPr>
-              <a:t>合理的使用</a:t>
+              <a:t>不过千万不要使用四个空格去代替</a:t>
             </a:r>
             <a:r>
               <a:rPr lang="en-US" altLang="zh-CN" sz="4400" dirty="0">
@@ -7259,8 +7395,10 @@
                 </a:solidFill>
                 <a:latin typeface="+mn-ea"/>
               </a:rPr>
-              <a:t>Tab</a:t>
-            </a:r>
+              <a:t>Tab,</a:t>
+            </a:r>
+          </a:p>
+          <a:p>
             <a:r>
               <a:rPr lang="zh-CN" altLang="en-US" sz="4400" dirty="0">
                 <a:solidFill>
@@ -7268,7 +7406,7 @@
                 </a:solidFill>
                 <a:latin typeface="+mn-ea"/>
               </a:rPr>
-              <a:t>进行代码缩进，</a:t>
+              <a:t>这种业余的操作会被同行所取笑</a:t>
             </a:r>
             <a:endParaRPr lang="en-US" altLang="zh-CN" sz="4400" dirty="0">
               <a:solidFill>
@@ -7277,29 +7415,12 @@
               <a:latin typeface="+mn-ea"/>
             </a:endParaRPr>
           </a:p>
-          <a:p>
-            <a:r>
-              <a:rPr lang="zh-CN" altLang="en-US" sz="4400" dirty="0">
-                <a:solidFill>
-                  <a:schemeClr val="bg1"/>
-                </a:solidFill>
-                <a:latin typeface="+mn-ea"/>
-              </a:rPr>
-              <a:t>会是你的代码更加规整美观</a:t>
-            </a:r>
-            <a:endParaRPr lang="en-US" altLang="zh-CN" sz="4400" dirty="0">
-              <a:solidFill>
-                <a:schemeClr val="bg1"/>
-              </a:solidFill>
-              <a:latin typeface="+mn-ea"/>
-            </a:endParaRPr>
-          </a:p>
         </p:txBody>
       </p:sp>
     </p:spTree>
     <p:extLst>
       <p:ext uri="{BB962C8B-B14F-4D97-AF65-F5344CB8AC3E}">
-        <p14:creationId xmlns:p14="http://schemas.microsoft.com/office/powerpoint/2010/main" val="1554153615"/>
+        <p14:creationId xmlns:p14="http://schemas.microsoft.com/office/powerpoint/2010/main" val="372879072"/>
       </p:ext>
     </p:extLst>
   </p:cSld>
@@ -7461,235 +7582,6 @@
       </p:pic>
       <p:sp>
         <p:nvSpPr>
-          <p:cNvPr id="4" name="文本框 3">
-            <a:extLst>
-              <a:ext uri="{FF2B5EF4-FFF2-40B4-BE49-F238E27FC236}">
-                <a16:creationId xmlns:a16="http://schemas.microsoft.com/office/drawing/2014/main" id="{93C87329-B886-4466-979D-E647403C3890}"/>
-              </a:ext>
-            </a:extLst>
-          </p:cNvPr>
-          <p:cNvSpPr txBox="1"/>
-          <p:nvPr/>
-        </p:nvSpPr>
-        <p:spPr>
-          <a:xfrm>
-            <a:off x="1209008" y="2779359"/>
-            <a:ext cx="9717404" cy="1446550"/>
-          </a:xfrm>
-          <a:prstGeom prst="rect">
-            <a:avLst/>
-          </a:prstGeom>
-          <a:noFill/>
-        </p:spPr>
-        <p:txBody>
-          <a:bodyPr wrap="none" rtlCol="0">
-            <a:spAutoFit/>
-          </a:bodyPr>
-          <a:lstStyle/>
-          <a:p>
-            <a:r>
-              <a:rPr lang="zh-CN" altLang="en-US" sz="4400" dirty="0">
-                <a:solidFill>
-                  <a:schemeClr val="bg1"/>
-                </a:solidFill>
-                <a:latin typeface="+mn-ea"/>
-              </a:rPr>
-              <a:t>不过千万不要使用四个空格去代替</a:t>
-            </a:r>
-            <a:r>
-              <a:rPr lang="en-US" altLang="zh-CN" sz="4400" dirty="0">
-                <a:solidFill>
-                  <a:schemeClr val="bg1"/>
-                </a:solidFill>
-                <a:latin typeface="+mn-ea"/>
-              </a:rPr>
-              <a:t>Tab,</a:t>
-            </a:r>
-          </a:p>
-          <a:p>
-            <a:r>
-              <a:rPr lang="zh-CN" altLang="en-US" sz="4400" dirty="0">
-                <a:solidFill>
-                  <a:schemeClr val="bg1"/>
-                </a:solidFill>
-                <a:latin typeface="+mn-ea"/>
-              </a:rPr>
-              <a:t>这种业余的操作会被同行所取笑</a:t>
-            </a:r>
-            <a:endParaRPr lang="en-US" altLang="zh-CN" sz="4400" dirty="0">
-              <a:solidFill>
-                <a:schemeClr val="bg1"/>
-              </a:solidFill>
-              <a:latin typeface="+mn-ea"/>
-            </a:endParaRPr>
-          </a:p>
-        </p:txBody>
-      </p:sp>
-    </p:spTree>
-    <p:extLst>
-      <p:ext uri="{BB962C8B-B14F-4D97-AF65-F5344CB8AC3E}">
-        <p14:creationId xmlns:p14="http://schemas.microsoft.com/office/powerpoint/2010/main" val="372879072"/>
-      </p:ext>
-    </p:extLst>
-  </p:cSld>
-  <p:clrMapOvr>
-    <a:masterClrMapping/>
-  </p:clrMapOvr>
-  <mc:AlternateContent xmlns:mc="http://schemas.openxmlformats.org/markup-compatibility/2006" xmlns:p14="http://schemas.microsoft.com/office/powerpoint/2010/main">
-    <mc:Choice Requires="p14">
-      <p:transition spd="med" p14:dur="700">
-        <p:fade/>
-      </p:transition>
-    </mc:Choice>
-    <mc:Fallback xmlns="">
-      <p:transition spd="med">
-        <p:fade/>
-      </p:transition>
-    </mc:Fallback>
-  </mc:AlternateContent>
-  <p:timing>
-    <p:tnLst>
-      <p:par>
-        <p:cTn id="1" dur="indefinite" restart="never" nodeType="tmRoot">
-          <p:childTnLst>
-            <p:seq concurrent="1" nextAc="seek">
-              <p:cTn id="2" dur="indefinite" nodeType="mainSeq">
-                <p:childTnLst>
-                  <p:par>
-                    <p:cTn id="3" fill="hold">
-                      <p:stCondLst>
-                        <p:cond delay="indefinite"/>
-                      </p:stCondLst>
-                      <p:childTnLst>
-                        <p:par>
-                          <p:cTn id="4" fill="hold">
-                            <p:stCondLst>
-                              <p:cond delay="0"/>
-                            </p:stCondLst>
-                            <p:childTnLst>
-                              <p:par>
-                                <p:cTn id="5" presetID="10" presetClass="entr" presetSubtype="0" fill="hold" grpId="0" nodeType="clickEffect">
-                                  <p:stCondLst>
-                                    <p:cond delay="0"/>
-                                  </p:stCondLst>
-                                  <p:childTnLst>
-                                    <p:set>
-                                      <p:cBhvr>
-                                        <p:cTn id="6" dur="1" fill="hold">
-                                          <p:stCondLst>
-                                            <p:cond delay="0"/>
-                                          </p:stCondLst>
-                                        </p:cTn>
-                                        <p:tgtEl>
-                                          <p:spTgt spid="4"/>
-                                        </p:tgtEl>
-                                        <p:attrNameLst>
-                                          <p:attrName>style.visibility</p:attrName>
-                                        </p:attrNameLst>
-                                      </p:cBhvr>
-                                      <p:to>
-                                        <p:strVal val="visible"/>
-                                      </p:to>
-                                    </p:set>
-                                    <p:animEffect transition="in" filter="fade">
-                                      <p:cBhvr>
-                                        <p:cTn id="7" dur="500"/>
-                                        <p:tgtEl>
-                                          <p:spTgt spid="4"/>
-                                        </p:tgtEl>
-                                      </p:cBhvr>
-                                    </p:animEffect>
-                                  </p:childTnLst>
-                                </p:cTn>
-                              </p:par>
-                            </p:childTnLst>
-                          </p:cTn>
-                        </p:par>
-                      </p:childTnLst>
-                    </p:cTn>
-                  </p:par>
-                </p:childTnLst>
-              </p:cTn>
-              <p:prevCondLst>
-                <p:cond evt="onPrev" delay="0">
-                  <p:tgtEl>
-                    <p:sldTgt/>
-                  </p:tgtEl>
-                </p:cond>
-              </p:prevCondLst>
-              <p:nextCondLst>
-                <p:cond evt="onNext" delay="0">
-                  <p:tgtEl>
-                    <p:sldTgt/>
-                  </p:tgtEl>
-                </p:cond>
-              </p:nextCondLst>
-            </p:seq>
-          </p:childTnLst>
-        </p:cTn>
-      </p:par>
-    </p:tnLst>
-    <p:bldLst>
-      <p:bldP spid="4" grpId="0"/>
-    </p:bldLst>
-  </p:timing>
-</p:sld>
-</file>
-
-<file path=ppt/slides/slide25.xml><?xml version="1.0" encoding="utf-8"?>
-<p:sld xmlns:a="http://schemas.openxmlformats.org/drawingml/2006/main" xmlns:r="http://schemas.openxmlformats.org/officeDocument/2006/relationships" xmlns:p="http://schemas.openxmlformats.org/presentationml/2006/main">
-  <p:cSld>
-    <p:spTree>
-      <p:nvGrpSpPr>
-        <p:cNvPr id="1" name=""/>
-        <p:cNvGrpSpPr/>
-        <p:nvPr/>
-      </p:nvGrpSpPr>
-      <p:grpSpPr>
-        <a:xfrm>
-          <a:off x="0" y="0"/>
-          <a:ext cx="0" cy="0"/>
-          <a:chOff x="0" y="0"/>
-          <a:chExt cx="0" cy="0"/>
-        </a:xfrm>
-      </p:grpSpPr>
-      <p:pic>
-        <p:nvPicPr>
-          <p:cNvPr id="5" name="图片 4">
-            <a:extLst>
-              <a:ext uri="{FF2B5EF4-FFF2-40B4-BE49-F238E27FC236}">
-                <a16:creationId xmlns:a16="http://schemas.microsoft.com/office/drawing/2014/main" id="{FFBC54D9-EE7D-4F07-8427-DCC6BB637B01}"/>
-              </a:ext>
-            </a:extLst>
-          </p:cNvPr>
-          <p:cNvPicPr>
-            <a:picLocks noChangeAspect="1"/>
-          </p:cNvPicPr>
-          <p:nvPr/>
-        </p:nvPicPr>
-        <p:blipFill rotWithShape="1">
-          <a:blip r:embed="rId2">
-            <a:extLst>
-              <a:ext uri="{28A0092B-C50C-407E-A947-70E740481C1C}">
-                <a14:useLocalDpi xmlns:a14="http://schemas.microsoft.com/office/drawing/2010/main" val="0"/>
-              </a:ext>
-            </a:extLst>
-          </a:blip>
-          <a:srcRect l="1084" r="26027"/>
-          <a:stretch/>
-        </p:blipFill>
-        <p:spPr>
-          <a:xfrm>
-            <a:off x="20" y="10"/>
-            <a:ext cx="12191980" cy="6857990"/>
-          </a:xfrm>
-          <a:prstGeom prst="rect">
-            <a:avLst/>
-          </a:prstGeom>
-        </p:spPr>
-      </p:pic>
-      <p:sp>
-        <p:nvSpPr>
           <p:cNvPr id="3" name="文本框 2">
             <a:extLst>
               <a:ext uri="{FF2B5EF4-FFF2-40B4-BE49-F238E27FC236}">
@@ -7845,7 +7737,7 @@
 </p:sld>
 </file>
 
-<file path=ppt/slides/slide26.xml><?xml version="1.0" encoding="utf-8"?>
+<file path=ppt/slides/slide25.xml><?xml version="1.0" encoding="utf-8"?>
 <p:sld xmlns:a="http://schemas.openxmlformats.org/drawingml/2006/main" xmlns:r="http://schemas.openxmlformats.org/officeDocument/2006/relationships" xmlns:p="http://schemas.openxmlformats.org/presentationml/2006/main">
   <p:cSld>
     <p:spTree>
@@ -8220,7 +8112,7 @@
 </p:sld>
 </file>
 
-<file path=ppt/slides/slide27.xml><?xml version="1.0" encoding="utf-8"?>
+<file path=ppt/slides/slide26.xml><?xml version="1.0" encoding="utf-8"?>
 <p:sld xmlns:a="http://schemas.openxmlformats.org/drawingml/2006/main" xmlns:r="http://schemas.openxmlformats.org/officeDocument/2006/relationships" xmlns:p="http://schemas.openxmlformats.org/presentationml/2006/main">
   <p:cSld>
     <p:spTree>
@@ -8481,7 +8373,7 @@
 </p:sld>
 </file>
 
-<file path=ppt/slides/slide28.xml><?xml version="1.0" encoding="utf-8"?>
+<file path=ppt/slides/slide27.xml><?xml version="1.0" encoding="utf-8"?>
 <p:sld xmlns:a="http://schemas.openxmlformats.org/drawingml/2006/main" xmlns:r="http://schemas.openxmlformats.org/officeDocument/2006/relationships" xmlns:p="http://schemas.openxmlformats.org/presentationml/2006/main">
   <p:cSld>
     <p:spTree>
